--- a/impact_mapping.pptx
+++ b/impact_mapping.pptx
@@ -104,6 +104,11 @@
       </a:defRPr>
     </a:lvl9pPr>
   </p:defaultTextStyle>
+  <p:extLst>
+    <p:ext uri="{EFAFB233-063F-42B5-8137-9DF3F51BA10A}">
+      <p15:sldGuideLst xmlns:p15="http://schemas.microsoft.com/office/powerpoint/2012/main"/>
+    </p:ext>
+  </p:extLst>
 </p:presentation>
 </file>
 
@@ -254,7 +259,7 @@
           <a:p>
             <a:fld id="{51EBADB0-4774-A447-AA35-617F2FF92881}" type="datetimeFigureOut">
               <a:rPr lang="fr-FR" smtClean="0"/>
-              <a:t>25/04/2022</a:t>
+              <a:t>29/04/2022</a:t>
             </a:fld>
             <a:endParaRPr lang="fr-FR"/>
           </a:p>
@@ -452,7 +457,7 @@
           <a:p>
             <a:fld id="{51EBADB0-4774-A447-AA35-617F2FF92881}" type="datetimeFigureOut">
               <a:rPr lang="fr-FR" smtClean="0"/>
-              <a:t>25/04/2022</a:t>
+              <a:t>29/04/2022</a:t>
             </a:fld>
             <a:endParaRPr lang="fr-FR"/>
           </a:p>
@@ -660,7 +665,7 @@
           <a:p>
             <a:fld id="{51EBADB0-4774-A447-AA35-617F2FF92881}" type="datetimeFigureOut">
               <a:rPr lang="fr-FR" smtClean="0"/>
-              <a:t>25/04/2022</a:t>
+              <a:t>29/04/2022</a:t>
             </a:fld>
             <a:endParaRPr lang="fr-FR"/>
           </a:p>
@@ -858,7 +863,7 @@
           <a:p>
             <a:fld id="{51EBADB0-4774-A447-AA35-617F2FF92881}" type="datetimeFigureOut">
               <a:rPr lang="fr-FR" smtClean="0"/>
-              <a:t>25/04/2022</a:t>
+              <a:t>29/04/2022</a:t>
             </a:fld>
             <a:endParaRPr lang="fr-FR"/>
           </a:p>
@@ -1133,7 +1138,7 @@
           <a:p>
             <a:fld id="{51EBADB0-4774-A447-AA35-617F2FF92881}" type="datetimeFigureOut">
               <a:rPr lang="fr-FR" smtClean="0"/>
-              <a:t>25/04/2022</a:t>
+              <a:t>29/04/2022</a:t>
             </a:fld>
             <a:endParaRPr lang="fr-FR"/>
           </a:p>
@@ -1398,7 +1403,7 @@
           <a:p>
             <a:fld id="{51EBADB0-4774-A447-AA35-617F2FF92881}" type="datetimeFigureOut">
               <a:rPr lang="fr-FR" smtClean="0"/>
-              <a:t>25/04/2022</a:t>
+              <a:t>29/04/2022</a:t>
             </a:fld>
             <a:endParaRPr lang="fr-FR"/>
           </a:p>
@@ -1810,7 +1815,7 @@
           <a:p>
             <a:fld id="{51EBADB0-4774-A447-AA35-617F2FF92881}" type="datetimeFigureOut">
               <a:rPr lang="fr-FR" smtClean="0"/>
-              <a:t>25/04/2022</a:t>
+              <a:t>29/04/2022</a:t>
             </a:fld>
             <a:endParaRPr lang="fr-FR"/>
           </a:p>
@@ -1951,7 +1956,7 @@
           <a:p>
             <a:fld id="{51EBADB0-4774-A447-AA35-617F2FF92881}" type="datetimeFigureOut">
               <a:rPr lang="fr-FR" smtClean="0"/>
-              <a:t>25/04/2022</a:t>
+              <a:t>29/04/2022</a:t>
             </a:fld>
             <a:endParaRPr lang="fr-FR"/>
           </a:p>
@@ -2064,7 +2069,7 @@
           <a:p>
             <a:fld id="{51EBADB0-4774-A447-AA35-617F2FF92881}" type="datetimeFigureOut">
               <a:rPr lang="fr-FR" smtClean="0"/>
-              <a:t>25/04/2022</a:t>
+              <a:t>29/04/2022</a:t>
             </a:fld>
             <a:endParaRPr lang="fr-FR"/>
           </a:p>
@@ -2375,7 +2380,7 @@
           <a:p>
             <a:fld id="{51EBADB0-4774-A447-AA35-617F2FF92881}" type="datetimeFigureOut">
               <a:rPr lang="fr-FR" smtClean="0"/>
-              <a:t>25/04/2022</a:t>
+              <a:t>29/04/2022</a:t>
             </a:fld>
             <a:endParaRPr lang="fr-FR"/>
           </a:p>
@@ -2663,7 +2668,7 @@
           <a:p>
             <a:fld id="{51EBADB0-4774-A447-AA35-617F2FF92881}" type="datetimeFigureOut">
               <a:rPr lang="fr-FR" smtClean="0"/>
-              <a:t>25/04/2022</a:t>
+              <a:t>29/04/2022</a:t>
             </a:fld>
             <a:endParaRPr lang="fr-FR"/>
           </a:p>
@@ -2904,7 +2909,7 @@
           <a:p>
             <a:fld id="{51EBADB0-4774-A447-AA35-617F2FF92881}" type="datetimeFigureOut">
               <a:rPr lang="fr-FR" smtClean="0"/>
-              <a:t>25/04/2022</a:t>
+              <a:t>29/04/2022</a:t>
             </a:fld>
             <a:endParaRPr lang="fr-FR"/>
           </a:p>
@@ -3615,6 +3620,349 @@
           </a:p>
         </p:txBody>
       </p:sp>
+      <p:sp>
+        <p:nvSpPr>
+          <p:cNvPr id="8" name="Rectangle : coins arrondis 7">
+            <a:extLst>
+              <a:ext uri="{FF2B5EF4-FFF2-40B4-BE49-F238E27FC236}">
+                <a16:creationId xmlns:a16="http://schemas.microsoft.com/office/drawing/2014/main" id="{43C9DA97-2406-0B63-7BDE-B4E9C6BEDE93}"/>
+              </a:ext>
+            </a:extLst>
+          </p:cNvPr>
+          <p:cNvSpPr/>
+          <p:nvPr/>
+        </p:nvSpPr>
+        <p:spPr>
+          <a:xfrm>
+            <a:off x="4915248" y="5788004"/>
+            <a:ext cx="1744486" cy="848515"/>
+          </a:xfrm>
+          <a:prstGeom prst="roundRect">
+            <a:avLst/>
+          </a:prstGeom>
+        </p:spPr>
+        <p:style>
+          <a:lnRef idx="2">
+            <a:schemeClr val="accent1">
+              <a:shade val="50000"/>
+            </a:schemeClr>
+          </a:lnRef>
+          <a:fillRef idx="1">
+            <a:schemeClr val="accent1"/>
+          </a:fillRef>
+          <a:effectRef idx="0">
+            <a:schemeClr val="accent1"/>
+          </a:effectRef>
+          <a:fontRef idx="minor">
+            <a:schemeClr val="lt1"/>
+          </a:fontRef>
+        </p:style>
+        <p:txBody>
+          <a:bodyPr rtlCol="0" anchor="ctr"/>
+          <a:lstStyle/>
+          <a:p>
+            <a:pPr algn="ctr"/>
+            <a:r>
+              <a:rPr lang="fr-FR" dirty="0"/>
+              <a:t>Meilleure suivi des points de ventes</a:t>
+            </a:r>
+          </a:p>
+        </p:txBody>
+      </p:sp>
+      <p:sp>
+        <p:nvSpPr>
+          <p:cNvPr id="9" name="Rectangle : coins arrondis 8">
+            <a:extLst>
+              <a:ext uri="{FF2B5EF4-FFF2-40B4-BE49-F238E27FC236}">
+                <a16:creationId xmlns:a16="http://schemas.microsoft.com/office/drawing/2014/main" id="{AEB8C19A-CF84-A951-2846-46405B428407}"/>
+              </a:ext>
+            </a:extLst>
+          </p:cNvPr>
+          <p:cNvSpPr/>
+          <p:nvPr/>
+        </p:nvSpPr>
+        <p:spPr>
+          <a:xfrm>
+            <a:off x="4915249" y="3004742"/>
+            <a:ext cx="1744485" cy="848515"/>
+          </a:xfrm>
+          <a:prstGeom prst="roundRect">
+            <a:avLst/>
+          </a:prstGeom>
+        </p:spPr>
+        <p:style>
+          <a:lnRef idx="2">
+            <a:schemeClr val="accent1">
+              <a:shade val="50000"/>
+            </a:schemeClr>
+          </a:lnRef>
+          <a:fillRef idx="1">
+            <a:schemeClr val="accent1"/>
+          </a:fillRef>
+          <a:effectRef idx="0">
+            <a:schemeClr val="accent1"/>
+          </a:effectRef>
+          <a:fontRef idx="minor">
+            <a:schemeClr val="lt1"/>
+          </a:fontRef>
+        </p:style>
+        <p:txBody>
+          <a:bodyPr rtlCol="0" anchor="ctr"/>
+          <a:lstStyle/>
+          <a:p>
+            <a:pPr algn="ctr"/>
+            <a:r>
+              <a:rPr lang="fr-FR" dirty="0"/>
+              <a:t>Meilleure gestion de la livraison</a:t>
+            </a:r>
+          </a:p>
+        </p:txBody>
+      </p:sp>
+      <p:sp>
+        <p:nvSpPr>
+          <p:cNvPr id="10" name="Rectangle : coins arrondis 9">
+            <a:extLst>
+              <a:ext uri="{FF2B5EF4-FFF2-40B4-BE49-F238E27FC236}">
+                <a16:creationId xmlns:a16="http://schemas.microsoft.com/office/drawing/2014/main" id="{D82AE429-445C-4E3E-9286-FC08400CB8F9}"/>
+              </a:ext>
+            </a:extLst>
+          </p:cNvPr>
+          <p:cNvSpPr/>
+          <p:nvPr/>
+        </p:nvSpPr>
+        <p:spPr>
+          <a:xfrm>
+            <a:off x="4915249" y="1613111"/>
+            <a:ext cx="1744485" cy="848515"/>
+          </a:xfrm>
+          <a:prstGeom prst="roundRect">
+            <a:avLst/>
+          </a:prstGeom>
+        </p:spPr>
+        <p:style>
+          <a:lnRef idx="2">
+            <a:schemeClr val="accent1">
+              <a:shade val="50000"/>
+            </a:schemeClr>
+          </a:lnRef>
+          <a:fillRef idx="1">
+            <a:schemeClr val="accent1"/>
+          </a:fillRef>
+          <a:effectRef idx="0">
+            <a:schemeClr val="accent1"/>
+          </a:effectRef>
+          <a:fontRef idx="minor">
+            <a:schemeClr val="lt1"/>
+          </a:fontRef>
+        </p:style>
+        <p:txBody>
+          <a:bodyPr rtlCol="0" anchor="ctr"/>
+          <a:lstStyle/>
+          <a:p>
+            <a:pPr algn="ctr"/>
+            <a:r>
+              <a:rPr lang="fr-FR" dirty="0"/>
+              <a:t>Préparations de commandes plus simples</a:t>
+            </a:r>
+          </a:p>
+        </p:txBody>
+      </p:sp>
+      <p:sp>
+        <p:nvSpPr>
+          <p:cNvPr id="15" name="Rectangle : coins arrondis 14">
+            <a:extLst>
+              <a:ext uri="{FF2B5EF4-FFF2-40B4-BE49-F238E27FC236}">
+                <a16:creationId xmlns:a16="http://schemas.microsoft.com/office/drawing/2014/main" id="{01F45314-7EDF-43E0-108B-275398CE5E11}"/>
+              </a:ext>
+            </a:extLst>
+          </p:cNvPr>
+          <p:cNvSpPr/>
+          <p:nvPr/>
+        </p:nvSpPr>
+        <p:spPr>
+          <a:xfrm>
+            <a:off x="4915249" y="221480"/>
+            <a:ext cx="1986592" cy="1031123"/>
+          </a:xfrm>
+          <a:prstGeom prst="roundRect">
+            <a:avLst/>
+          </a:prstGeom>
+        </p:spPr>
+        <p:style>
+          <a:lnRef idx="2">
+            <a:schemeClr val="accent1">
+              <a:shade val="50000"/>
+            </a:schemeClr>
+          </a:lnRef>
+          <a:fillRef idx="1">
+            <a:schemeClr val="accent1"/>
+          </a:fillRef>
+          <a:effectRef idx="0">
+            <a:schemeClr val="accent1"/>
+          </a:effectRef>
+          <a:fontRef idx="minor">
+            <a:schemeClr val="lt1"/>
+          </a:fontRef>
+        </p:style>
+        <p:txBody>
+          <a:bodyPr rtlCol="0" anchor="ctr"/>
+          <a:lstStyle/>
+          <a:p>
+            <a:pPr algn="ctr"/>
+            <a:r>
+              <a:rPr lang="fr-FR" dirty="0"/>
+              <a:t>Commander et gérer en ligne leurs commandes</a:t>
+            </a:r>
+          </a:p>
+        </p:txBody>
+      </p:sp>
+      <p:sp>
+        <p:nvSpPr>
+          <p:cNvPr id="16" name="Rectangle : coins arrondis 15">
+            <a:extLst>
+              <a:ext uri="{FF2B5EF4-FFF2-40B4-BE49-F238E27FC236}">
+                <a16:creationId xmlns:a16="http://schemas.microsoft.com/office/drawing/2014/main" id="{C25B8D2C-DC7E-1AB0-DB0A-355F406FAF72}"/>
+              </a:ext>
+            </a:extLst>
+          </p:cNvPr>
+          <p:cNvSpPr/>
+          <p:nvPr/>
+        </p:nvSpPr>
+        <p:spPr>
+          <a:xfrm>
+            <a:off x="7771182" y="221480"/>
+            <a:ext cx="1744485" cy="848515"/>
+          </a:xfrm>
+          <a:prstGeom prst="roundRect">
+            <a:avLst/>
+          </a:prstGeom>
+        </p:spPr>
+        <p:style>
+          <a:lnRef idx="2">
+            <a:schemeClr val="accent1">
+              <a:shade val="50000"/>
+            </a:schemeClr>
+          </a:lnRef>
+          <a:fillRef idx="1">
+            <a:schemeClr val="accent1"/>
+          </a:fillRef>
+          <a:effectRef idx="0">
+            <a:schemeClr val="accent1"/>
+          </a:effectRef>
+          <a:fontRef idx="minor">
+            <a:schemeClr val="lt1"/>
+          </a:fontRef>
+        </p:style>
+        <p:txBody>
+          <a:bodyPr rtlCol="0" anchor="ctr"/>
+          <a:lstStyle/>
+          <a:p>
+            <a:pPr algn="ctr"/>
+            <a:r>
+              <a:rPr lang="fr-FR" dirty="0"/>
+              <a:t>Site web</a:t>
+            </a:r>
+          </a:p>
+        </p:txBody>
+      </p:sp>
+      <p:sp>
+        <p:nvSpPr>
+          <p:cNvPr id="18" name="Rectangle : coins arrondis 17">
+            <a:extLst>
+              <a:ext uri="{FF2B5EF4-FFF2-40B4-BE49-F238E27FC236}">
+                <a16:creationId xmlns:a16="http://schemas.microsoft.com/office/drawing/2014/main" id="{F3C8514D-8B79-C51F-22C9-72C49693CE23}"/>
+              </a:ext>
+            </a:extLst>
+          </p:cNvPr>
+          <p:cNvSpPr/>
+          <p:nvPr/>
+        </p:nvSpPr>
+        <p:spPr>
+          <a:xfrm>
+            <a:off x="7771182" y="1613111"/>
+            <a:ext cx="1744485" cy="848515"/>
+          </a:xfrm>
+          <a:prstGeom prst="roundRect">
+            <a:avLst/>
+          </a:prstGeom>
+        </p:spPr>
+        <p:style>
+          <a:lnRef idx="2">
+            <a:schemeClr val="accent1">
+              <a:shade val="50000"/>
+            </a:schemeClr>
+          </a:lnRef>
+          <a:fillRef idx="1">
+            <a:schemeClr val="accent1"/>
+          </a:fillRef>
+          <a:effectRef idx="0">
+            <a:schemeClr val="accent1"/>
+          </a:effectRef>
+          <a:fontRef idx="minor">
+            <a:schemeClr val="lt1"/>
+          </a:fontRef>
+        </p:style>
+        <p:txBody>
+          <a:bodyPr rtlCol="0" anchor="ctr"/>
+          <a:lstStyle/>
+          <a:p>
+            <a:pPr algn="ctr"/>
+            <a:r>
+              <a:rPr lang="fr-FR" dirty="0"/>
+              <a:t>Aides mémoire</a:t>
+            </a:r>
+          </a:p>
+        </p:txBody>
+      </p:sp>
+      <p:sp>
+        <p:nvSpPr>
+          <p:cNvPr id="19" name="Rectangle : coins arrondis 18">
+            <a:extLst>
+              <a:ext uri="{FF2B5EF4-FFF2-40B4-BE49-F238E27FC236}">
+                <a16:creationId xmlns:a16="http://schemas.microsoft.com/office/drawing/2014/main" id="{04343EF8-A5C3-A37F-02F7-9F965DEF82D8}"/>
+              </a:ext>
+            </a:extLst>
+          </p:cNvPr>
+          <p:cNvSpPr/>
+          <p:nvPr/>
+        </p:nvSpPr>
+        <p:spPr>
+          <a:xfrm>
+            <a:off x="7771182" y="3004742"/>
+            <a:ext cx="1744485" cy="848515"/>
+          </a:xfrm>
+          <a:prstGeom prst="roundRect">
+            <a:avLst/>
+          </a:prstGeom>
+        </p:spPr>
+        <p:style>
+          <a:lnRef idx="2">
+            <a:schemeClr val="accent1">
+              <a:shade val="50000"/>
+            </a:schemeClr>
+          </a:lnRef>
+          <a:fillRef idx="1">
+            <a:schemeClr val="accent1"/>
+          </a:fillRef>
+          <a:effectRef idx="0">
+            <a:schemeClr val="accent1"/>
+          </a:effectRef>
+          <a:fontRef idx="minor">
+            <a:schemeClr val="lt1"/>
+          </a:fontRef>
+        </p:style>
+        <p:txBody>
+          <a:bodyPr rtlCol="0" anchor="ctr"/>
+          <a:lstStyle/>
+          <a:p>
+            <a:pPr algn="ctr"/>
+            <a:r>
+              <a:rPr lang="fr-FR" dirty="0"/>
+              <a:t>Logiciel embarqué</a:t>
+            </a:r>
+          </a:p>
+        </p:txBody>
+      </p:sp>
     </p:spTree>
     <p:extLst>
       <p:ext uri="{BB962C8B-B14F-4D97-AF65-F5344CB8AC3E}">
